--- a/CS-3120_Floryan/Module 3/HW-3.pptx
+++ b/CS-3120_Floryan/Module 3/HW-3.pptx
@@ -7,6 +7,8 @@
   <p:sldIdLst>
     <p:sldId id="256" r:id="rId2"/>
     <p:sldId id="257" r:id="rId3"/>
+    <p:sldId id="258" r:id="rId4"/>
+    <p:sldId id="259" r:id="rId5"/>
   </p:sldIdLst>
   <p:sldSz cx="12192000" cy="6858000"/>
   <p:notesSz cx="6858000" cy="9144000"/>
@@ -105,6 +107,11 @@
       </a:defRPr>
     </a:lvl9pPr>
   </p:defaultTextStyle>
+  <p:extLst>
+    <p:ext uri="{EFAFB233-063F-42B5-8137-9DF3F51BA10A}">
+      <p15:sldGuideLst xmlns:p15="http://schemas.microsoft.com/office/powerpoint/2012/main"/>
+    </p:ext>
+  </p:extLst>
 </p:presentation>
 </file>
 
@@ -255,7 +262,7 @@
           <a:p>
             <a:fld id="{E7262406-719D-445D-8439-5499F32A037C}" type="datetimeFigureOut">
               <a:rPr lang="en-US" smtClean="0"/>
-              <a:t>10/23/2023</a:t>
+              <a:t>10/25/2023</a:t>
             </a:fld>
             <a:endParaRPr lang="en-US"/>
           </a:p>
@@ -453,7 +460,7 @@
           <a:p>
             <a:fld id="{E7262406-719D-445D-8439-5499F32A037C}" type="datetimeFigureOut">
               <a:rPr lang="en-US" smtClean="0"/>
-              <a:t>10/23/2023</a:t>
+              <a:t>10/25/2023</a:t>
             </a:fld>
             <a:endParaRPr lang="en-US"/>
           </a:p>
@@ -661,7 +668,7 @@
           <a:p>
             <a:fld id="{E7262406-719D-445D-8439-5499F32A037C}" type="datetimeFigureOut">
               <a:rPr lang="en-US" smtClean="0"/>
-              <a:t>10/23/2023</a:t>
+              <a:t>10/25/2023</a:t>
             </a:fld>
             <a:endParaRPr lang="en-US"/>
           </a:p>
@@ -859,7 +866,7 @@
           <a:p>
             <a:fld id="{E7262406-719D-445D-8439-5499F32A037C}" type="datetimeFigureOut">
               <a:rPr lang="en-US" smtClean="0"/>
-              <a:t>10/23/2023</a:t>
+              <a:t>10/25/2023</a:t>
             </a:fld>
             <a:endParaRPr lang="en-US"/>
           </a:p>
@@ -1134,7 +1141,7 @@
           <a:p>
             <a:fld id="{E7262406-719D-445D-8439-5499F32A037C}" type="datetimeFigureOut">
               <a:rPr lang="en-US" smtClean="0"/>
-              <a:t>10/23/2023</a:t>
+              <a:t>10/25/2023</a:t>
             </a:fld>
             <a:endParaRPr lang="en-US"/>
           </a:p>
@@ -1399,7 +1406,7 @@
           <a:p>
             <a:fld id="{E7262406-719D-445D-8439-5499F32A037C}" type="datetimeFigureOut">
               <a:rPr lang="en-US" smtClean="0"/>
-              <a:t>10/23/2023</a:t>
+              <a:t>10/25/2023</a:t>
             </a:fld>
             <a:endParaRPr lang="en-US"/>
           </a:p>
@@ -1811,7 +1818,7 @@
           <a:p>
             <a:fld id="{E7262406-719D-445D-8439-5499F32A037C}" type="datetimeFigureOut">
               <a:rPr lang="en-US" smtClean="0"/>
-              <a:t>10/23/2023</a:t>
+              <a:t>10/25/2023</a:t>
             </a:fld>
             <a:endParaRPr lang="en-US"/>
           </a:p>
@@ -1952,7 +1959,7 @@
           <a:p>
             <a:fld id="{E7262406-719D-445D-8439-5499F32A037C}" type="datetimeFigureOut">
               <a:rPr lang="en-US" smtClean="0"/>
-              <a:t>10/23/2023</a:t>
+              <a:t>10/25/2023</a:t>
             </a:fld>
             <a:endParaRPr lang="en-US"/>
           </a:p>
@@ -2065,7 +2072,7 @@
           <a:p>
             <a:fld id="{E7262406-719D-445D-8439-5499F32A037C}" type="datetimeFigureOut">
               <a:rPr lang="en-US" smtClean="0"/>
-              <a:t>10/23/2023</a:t>
+              <a:t>10/25/2023</a:t>
             </a:fld>
             <a:endParaRPr lang="en-US"/>
           </a:p>
@@ -2376,7 +2383,7 @@
           <a:p>
             <a:fld id="{E7262406-719D-445D-8439-5499F32A037C}" type="datetimeFigureOut">
               <a:rPr lang="en-US" smtClean="0"/>
-              <a:t>10/23/2023</a:t>
+              <a:t>10/25/2023</a:t>
             </a:fld>
             <a:endParaRPr lang="en-US"/>
           </a:p>
@@ -2664,7 +2671,7 @@
           <a:p>
             <a:fld id="{E7262406-719D-445D-8439-5499F32A037C}" type="datetimeFigureOut">
               <a:rPr lang="en-US" smtClean="0"/>
-              <a:t>10/23/2023</a:t>
+              <a:t>10/25/2023</a:t>
             </a:fld>
             <a:endParaRPr lang="en-US"/>
           </a:p>
@@ -2905,7 +2912,7 @@
           <a:p>
             <a:fld id="{E7262406-719D-445D-8439-5499F32A037C}" type="datetimeFigureOut">
               <a:rPr lang="en-US" smtClean="0"/>
-              <a:t>10/23/2023</a:t>
+              <a:t>10/25/2023</a:t>
             </a:fld>
             <a:endParaRPr lang="en-US"/>
           </a:p>
@@ -5401,6 +5408,627 @@
 </p:sld>
 </file>
 
+<file path=ppt/slides/slide3.xml><?xml version="1.0" encoding="utf-8"?>
+<p:sld xmlns:a="http://schemas.openxmlformats.org/drawingml/2006/main" xmlns:r="http://schemas.openxmlformats.org/officeDocument/2006/relationships" xmlns:p="http://schemas.openxmlformats.org/presentationml/2006/main">
+  <p:cSld>
+    <p:spTree>
+      <p:nvGrpSpPr>
+        <p:cNvPr id="1" name=""/>
+        <p:cNvGrpSpPr/>
+        <p:nvPr/>
+      </p:nvGrpSpPr>
+      <p:grpSpPr>
+        <a:xfrm>
+          <a:off x="0" y="0"/>
+          <a:ext cx="0" cy="0"/>
+          <a:chOff x="0" y="0"/>
+          <a:chExt cx="0" cy="0"/>
+        </a:xfrm>
+      </p:grpSpPr>
+      <p:sp>
+        <p:nvSpPr>
+          <p:cNvPr id="4" name="TextBox 3">
+            <a:extLst>
+              <a:ext uri="{FF2B5EF4-FFF2-40B4-BE49-F238E27FC236}">
+                <a16:creationId xmlns:a16="http://schemas.microsoft.com/office/drawing/2014/main" id="{AB64240E-0C73-00F6-B43A-80EFA10A2F97}"/>
+              </a:ext>
+            </a:extLst>
+          </p:cNvPr>
+          <p:cNvSpPr txBox="1"/>
+          <p:nvPr/>
+        </p:nvSpPr>
+        <p:spPr>
+          <a:xfrm>
+            <a:off x="5738326" y="621258"/>
+            <a:ext cx="858416" cy="369332"/>
+          </a:xfrm>
+          <a:prstGeom prst="rect">
+            <a:avLst/>
+          </a:prstGeom>
+          <a:noFill/>
+        </p:spPr>
+        <p:txBody>
+          <a:bodyPr wrap="square" rtlCol="0">
+            <a:spAutoFit/>
+          </a:bodyPr>
+          <a:lstStyle/>
+          <a:p>
+            <a:pPr algn="ctr"/>
+            <a:r>
+              <a:rPr lang="en-US" dirty="0">
+                <a:latin typeface="Comic Sans MS" panose="030F0702030302020204" pitchFamily="66" charset="0"/>
+              </a:rPr>
+              <a:t>STMT</a:t>
+            </a:r>
+          </a:p>
+        </p:txBody>
+      </p:sp>
+      <p:sp>
+        <p:nvSpPr>
+          <p:cNvPr id="6" name="TextBox 5">
+            <a:extLst>
+              <a:ext uri="{FF2B5EF4-FFF2-40B4-BE49-F238E27FC236}">
+                <a16:creationId xmlns:a16="http://schemas.microsoft.com/office/drawing/2014/main" id="{23C65E15-08B7-F3EE-0F84-C6C4AA587AFB}"/>
+              </a:ext>
+            </a:extLst>
+          </p:cNvPr>
+          <p:cNvSpPr txBox="1"/>
+          <p:nvPr/>
+        </p:nvSpPr>
+        <p:spPr>
+          <a:xfrm>
+            <a:off x="4680856" y="1922592"/>
+            <a:ext cx="2973355" cy="369332"/>
+          </a:xfrm>
+          <a:prstGeom prst="rect">
+            <a:avLst/>
+          </a:prstGeom>
+          <a:noFill/>
+        </p:spPr>
+        <p:txBody>
+          <a:bodyPr wrap="square" rtlCol="0">
+            <a:spAutoFit/>
+          </a:bodyPr>
+          <a:lstStyle/>
+          <a:p>
+            <a:pPr algn="ctr"/>
+            <a:r>
+              <a:rPr lang="en-US" dirty="0">
+                <a:latin typeface="Comic Sans MS" panose="030F0702030302020204" pitchFamily="66" charset="0"/>
+              </a:rPr>
+              <a:t>if condition then STMT</a:t>
+            </a:r>
+          </a:p>
+        </p:txBody>
+      </p:sp>
+      <p:sp>
+        <p:nvSpPr>
+          <p:cNvPr id="7" name="TextBox 6">
+            <a:extLst>
+              <a:ext uri="{FF2B5EF4-FFF2-40B4-BE49-F238E27FC236}">
+                <a16:creationId xmlns:a16="http://schemas.microsoft.com/office/drawing/2014/main" id="{178ACE97-4B00-B4E3-EBB1-FBF58B808B3F}"/>
+              </a:ext>
+            </a:extLst>
+          </p:cNvPr>
+          <p:cNvSpPr txBox="1"/>
+          <p:nvPr/>
+        </p:nvSpPr>
+        <p:spPr>
+          <a:xfrm>
+            <a:off x="3197289" y="3446443"/>
+            <a:ext cx="5940490" cy="369332"/>
+          </a:xfrm>
+          <a:prstGeom prst="rect">
+            <a:avLst/>
+          </a:prstGeom>
+          <a:noFill/>
+        </p:spPr>
+        <p:txBody>
+          <a:bodyPr wrap="square" rtlCol="0">
+            <a:spAutoFit/>
+          </a:bodyPr>
+          <a:lstStyle/>
+          <a:p>
+            <a:pPr algn="ctr"/>
+            <a:r>
+              <a:rPr lang="en-US" dirty="0">
+                <a:latin typeface="Comic Sans MS" panose="030F0702030302020204" pitchFamily="66" charset="0"/>
+              </a:rPr>
+              <a:t>if condition then if condition then STMT else STMT</a:t>
+            </a:r>
+          </a:p>
+        </p:txBody>
+      </p:sp>
+      <p:sp>
+        <p:nvSpPr>
+          <p:cNvPr id="8" name="TextBox 7">
+            <a:extLst>
+              <a:ext uri="{FF2B5EF4-FFF2-40B4-BE49-F238E27FC236}">
+                <a16:creationId xmlns:a16="http://schemas.microsoft.com/office/drawing/2014/main" id="{4F95DF24-3A84-E769-F6E8-FC08D3B8CB4F}"/>
+              </a:ext>
+            </a:extLst>
+          </p:cNvPr>
+          <p:cNvSpPr txBox="1"/>
+          <p:nvPr/>
+        </p:nvSpPr>
+        <p:spPr>
+          <a:xfrm>
+            <a:off x="3387012" y="4925398"/>
+            <a:ext cx="5561045" cy="369332"/>
+          </a:xfrm>
+          <a:prstGeom prst="rect">
+            <a:avLst/>
+          </a:prstGeom>
+          <a:noFill/>
+        </p:spPr>
+        <p:txBody>
+          <a:bodyPr wrap="square" rtlCol="0">
+            <a:spAutoFit/>
+          </a:bodyPr>
+          <a:lstStyle/>
+          <a:p>
+            <a:pPr algn="ctr"/>
+            <a:r>
+              <a:rPr lang="en-US" dirty="0">
+                <a:latin typeface="Comic Sans MS" panose="030F0702030302020204" pitchFamily="66" charset="0"/>
+              </a:rPr>
+              <a:t>if condition then if condition then a := 1 else a := 1</a:t>
+            </a:r>
+          </a:p>
+        </p:txBody>
+      </p:sp>
+      <p:cxnSp>
+        <p:nvCxnSpPr>
+          <p:cNvPr id="10" name="Straight Arrow Connector 9">
+            <a:extLst>
+              <a:ext uri="{FF2B5EF4-FFF2-40B4-BE49-F238E27FC236}">
+                <a16:creationId xmlns:a16="http://schemas.microsoft.com/office/drawing/2014/main" id="{C3748C31-1B37-3B32-A725-E73E11D85DE5}"/>
+              </a:ext>
+            </a:extLst>
+          </p:cNvPr>
+          <p:cNvCxnSpPr>
+            <a:stCxn id="4" idx="2"/>
+            <a:endCxn id="6" idx="0"/>
+          </p:cNvCxnSpPr>
+          <p:nvPr/>
+        </p:nvCxnSpPr>
+        <p:spPr>
+          <a:xfrm>
+            <a:off x="6167534" y="990590"/>
+            <a:ext cx="0" cy="932002"/>
+          </a:xfrm>
+          <a:prstGeom prst="straightConnector1">
+            <a:avLst/>
+          </a:prstGeom>
+          <a:ln>
+            <a:tailEnd type="triangle"/>
+          </a:ln>
+        </p:spPr>
+        <p:style>
+          <a:lnRef idx="3">
+            <a:schemeClr val="dk1"/>
+          </a:lnRef>
+          <a:fillRef idx="0">
+            <a:schemeClr val="dk1"/>
+          </a:fillRef>
+          <a:effectRef idx="2">
+            <a:schemeClr val="dk1"/>
+          </a:effectRef>
+          <a:fontRef idx="minor">
+            <a:schemeClr val="tx1"/>
+          </a:fontRef>
+        </p:style>
+      </p:cxnSp>
+      <p:cxnSp>
+        <p:nvCxnSpPr>
+          <p:cNvPr id="11" name="Straight Arrow Connector 10">
+            <a:extLst>
+              <a:ext uri="{FF2B5EF4-FFF2-40B4-BE49-F238E27FC236}">
+                <a16:creationId xmlns:a16="http://schemas.microsoft.com/office/drawing/2014/main" id="{8C061569-7677-77F9-8F6B-8C5B89454034}"/>
+              </a:ext>
+            </a:extLst>
+          </p:cNvPr>
+          <p:cNvCxnSpPr>
+            <a:cxnSpLocks/>
+            <a:stCxn id="6" idx="2"/>
+            <a:endCxn id="7" idx="0"/>
+          </p:cNvCxnSpPr>
+          <p:nvPr/>
+        </p:nvCxnSpPr>
+        <p:spPr>
+          <a:xfrm>
+            <a:off x="6167534" y="2291924"/>
+            <a:ext cx="0" cy="1154519"/>
+          </a:xfrm>
+          <a:prstGeom prst="straightConnector1">
+            <a:avLst/>
+          </a:prstGeom>
+          <a:ln>
+            <a:tailEnd type="triangle"/>
+          </a:ln>
+        </p:spPr>
+        <p:style>
+          <a:lnRef idx="3">
+            <a:schemeClr val="dk1"/>
+          </a:lnRef>
+          <a:fillRef idx="0">
+            <a:schemeClr val="dk1"/>
+          </a:fillRef>
+          <a:effectRef idx="2">
+            <a:schemeClr val="dk1"/>
+          </a:effectRef>
+          <a:fontRef idx="minor">
+            <a:schemeClr val="tx1"/>
+          </a:fontRef>
+        </p:style>
+      </p:cxnSp>
+      <p:cxnSp>
+        <p:nvCxnSpPr>
+          <p:cNvPr id="14" name="Straight Arrow Connector 13">
+            <a:extLst>
+              <a:ext uri="{FF2B5EF4-FFF2-40B4-BE49-F238E27FC236}">
+                <a16:creationId xmlns:a16="http://schemas.microsoft.com/office/drawing/2014/main" id="{079880E7-71FB-4D85-7C4B-2AB93127CDD6}"/>
+              </a:ext>
+            </a:extLst>
+          </p:cNvPr>
+          <p:cNvCxnSpPr>
+            <a:cxnSpLocks/>
+            <a:stCxn id="7" idx="2"/>
+            <a:endCxn id="8" idx="0"/>
+          </p:cNvCxnSpPr>
+          <p:nvPr/>
+        </p:nvCxnSpPr>
+        <p:spPr>
+          <a:xfrm>
+            <a:off x="6167534" y="3815775"/>
+            <a:ext cx="1" cy="1109623"/>
+          </a:xfrm>
+          <a:prstGeom prst="straightConnector1">
+            <a:avLst/>
+          </a:prstGeom>
+          <a:ln>
+            <a:tailEnd type="triangle"/>
+          </a:ln>
+        </p:spPr>
+        <p:style>
+          <a:lnRef idx="3">
+            <a:schemeClr val="dk1"/>
+          </a:lnRef>
+          <a:fillRef idx="0">
+            <a:schemeClr val="dk1"/>
+          </a:fillRef>
+          <a:effectRef idx="2">
+            <a:schemeClr val="dk1"/>
+          </a:effectRef>
+          <a:fontRef idx="minor">
+            <a:schemeClr val="tx1"/>
+          </a:fontRef>
+        </p:style>
+      </p:cxnSp>
+    </p:spTree>
+    <p:extLst>
+      <p:ext uri="{BB962C8B-B14F-4D97-AF65-F5344CB8AC3E}">
+        <p14:creationId xmlns:p14="http://schemas.microsoft.com/office/powerpoint/2010/main" val="770257302"/>
+      </p:ext>
+    </p:extLst>
+  </p:cSld>
+  <p:clrMapOvr>
+    <a:masterClrMapping/>
+  </p:clrMapOvr>
+</p:sld>
+</file>
+
+<file path=ppt/slides/slide4.xml><?xml version="1.0" encoding="utf-8"?>
+<p:sld xmlns:a="http://schemas.openxmlformats.org/drawingml/2006/main" xmlns:r="http://schemas.openxmlformats.org/officeDocument/2006/relationships" xmlns:p="http://schemas.openxmlformats.org/presentationml/2006/main">
+  <p:cSld>
+    <p:spTree>
+      <p:nvGrpSpPr>
+        <p:cNvPr id="1" name=""/>
+        <p:cNvGrpSpPr/>
+        <p:nvPr/>
+      </p:nvGrpSpPr>
+      <p:grpSpPr>
+        <a:xfrm>
+          <a:off x="0" y="0"/>
+          <a:ext cx="0" cy="0"/>
+          <a:chOff x="0" y="0"/>
+          <a:chExt cx="0" cy="0"/>
+        </a:xfrm>
+      </p:grpSpPr>
+      <p:sp>
+        <p:nvSpPr>
+          <p:cNvPr id="4" name="TextBox 3">
+            <a:extLst>
+              <a:ext uri="{FF2B5EF4-FFF2-40B4-BE49-F238E27FC236}">
+                <a16:creationId xmlns:a16="http://schemas.microsoft.com/office/drawing/2014/main" id="{AB64240E-0C73-00F6-B43A-80EFA10A2F97}"/>
+              </a:ext>
+            </a:extLst>
+          </p:cNvPr>
+          <p:cNvSpPr txBox="1"/>
+          <p:nvPr/>
+        </p:nvSpPr>
+        <p:spPr>
+          <a:xfrm>
+            <a:off x="5738326" y="621258"/>
+            <a:ext cx="858416" cy="369332"/>
+          </a:xfrm>
+          <a:prstGeom prst="rect">
+            <a:avLst/>
+          </a:prstGeom>
+          <a:noFill/>
+        </p:spPr>
+        <p:txBody>
+          <a:bodyPr wrap="square" rtlCol="0">
+            <a:spAutoFit/>
+          </a:bodyPr>
+          <a:lstStyle/>
+          <a:p>
+            <a:pPr algn="ctr"/>
+            <a:r>
+              <a:rPr lang="en-US" dirty="0">
+                <a:latin typeface="Comic Sans MS" panose="030F0702030302020204" pitchFamily="66" charset="0"/>
+              </a:rPr>
+              <a:t>STMT</a:t>
+            </a:r>
+          </a:p>
+        </p:txBody>
+      </p:sp>
+      <p:sp>
+        <p:nvSpPr>
+          <p:cNvPr id="6" name="TextBox 5">
+            <a:extLst>
+              <a:ext uri="{FF2B5EF4-FFF2-40B4-BE49-F238E27FC236}">
+                <a16:creationId xmlns:a16="http://schemas.microsoft.com/office/drawing/2014/main" id="{23C65E15-08B7-F3EE-0F84-C6C4AA587AFB}"/>
+              </a:ext>
+            </a:extLst>
+          </p:cNvPr>
+          <p:cNvSpPr txBox="1"/>
+          <p:nvPr/>
+        </p:nvSpPr>
+        <p:spPr>
+          <a:xfrm>
+            <a:off x="3939072" y="1915547"/>
+            <a:ext cx="4456923" cy="369332"/>
+          </a:xfrm>
+          <a:prstGeom prst="rect">
+            <a:avLst/>
+          </a:prstGeom>
+          <a:noFill/>
+        </p:spPr>
+        <p:txBody>
+          <a:bodyPr wrap="square" rtlCol="0">
+            <a:spAutoFit/>
+          </a:bodyPr>
+          <a:lstStyle/>
+          <a:p>
+            <a:pPr algn="ctr"/>
+            <a:r>
+              <a:rPr lang="en-US" dirty="0">
+                <a:latin typeface="Comic Sans MS" panose="030F0702030302020204" pitchFamily="66" charset="0"/>
+              </a:rPr>
+              <a:t>if condition then STMT else STMT</a:t>
+            </a:r>
+          </a:p>
+        </p:txBody>
+      </p:sp>
+      <p:sp>
+        <p:nvSpPr>
+          <p:cNvPr id="7" name="TextBox 6">
+            <a:extLst>
+              <a:ext uri="{FF2B5EF4-FFF2-40B4-BE49-F238E27FC236}">
+                <a16:creationId xmlns:a16="http://schemas.microsoft.com/office/drawing/2014/main" id="{178ACE97-4B00-B4E3-EBB1-FBF58B808B3F}"/>
+              </a:ext>
+            </a:extLst>
+          </p:cNvPr>
+          <p:cNvSpPr txBox="1"/>
+          <p:nvPr/>
+        </p:nvSpPr>
+        <p:spPr>
+          <a:xfrm>
+            <a:off x="3197289" y="3446443"/>
+            <a:ext cx="5940490" cy="369332"/>
+          </a:xfrm>
+          <a:prstGeom prst="rect">
+            <a:avLst/>
+          </a:prstGeom>
+          <a:noFill/>
+        </p:spPr>
+        <p:txBody>
+          <a:bodyPr wrap="square" rtlCol="0">
+            <a:spAutoFit/>
+          </a:bodyPr>
+          <a:lstStyle/>
+          <a:p>
+            <a:pPr algn="ctr"/>
+            <a:r>
+              <a:rPr lang="en-US" dirty="0">
+                <a:latin typeface="Comic Sans MS" panose="030F0702030302020204" pitchFamily="66" charset="0"/>
+              </a:rPr>
+              <a:t>if condition then if condition then STMT else STMT</a:t>
+            </a:r>
+          </a:p>
+        </p:txBody>
+      </p:sp>
+      <p:sp>
+        <p:nvSpPr>
+          <p:cNvPr id="8" name="TextBox 7">
+            <a:extLst>
+              <a:ext uri="{FF2B5EF4-FFF2-40B4-BE49-F238E27FC236}">
+                <a16:creationId xmlns:a16="http://schemas.microsoft.com/office/drawing/2014/main" id="{4F95DF24-3A84-E769-F6E8-FC08D3B8CB4F}"/>
+              </a:ext>
+            </a:extLst>
+          </p:cNvPr>
+          <p:cNvSpPr txBox="1"/>
+          <p:nvPr/>
+        </p:nvSpPr>
+        <p:spPr>
+          <a:xfrm>
+            <a:off x="3387012" y="4925398"/>
+            <a:ext cx="5561045" cy="369332"/>
+          </a:xfrm>
+          <a:prstGeom prst="rect">
+            <a:avLst/>
+          </a:prstGeom>
+          <a:noFill/>
+        </p:spPr>
+        <p:txBody>
+          <a:bodyPr wrap="square" rtlCol="0">
+            <a:spAutoFit/>
+          </a:bodyPr>
+          <a:lstStyle/>
+          <a:p>
+            <a:pPr algn="ctr"/>
+            <a:r>
+              <a:rPr lang="en-US" dirty="0">
+                <a:latin typeface="Comic Sans MS" panose="030F0702030302020204" pitchFamily="66" charset="0"/>
+              </a:rPr>
+              <a:t>if condition then if condition then a := 1 else a := 1</a:t>
+            </a:r>
+          </a:p>
+        </p:txBody>
+      </p:sp>
+      <p:cxnSp>
+        <p:nvCxnSpPr>
+          <p:cNvPr id="10" name="Straight Arrow Connector 9">
+            <a:extLst>
+              <a:ext uri="{FF2B5EF4-FFF2-40B4-BE49-F238E27FC236}">
+                <a16:creationId xmlns:a16="http://schemas.microsoft.com/office/drawing/2014/main" id="{C3748C31-1B37-3B32-A725-E73E11D85DE5}"/>
+              </a:ext>
+            </a:extLst>
+          </p:cNvPr>
+          <p:cNvCxnSpPr>
+            <a:cxnSpLocks/>
+            <a:stCxn id="4" idx="2"/>
+            <a:endCxn id="6" idx="0"/>
+          </p:cNvCxnSpPr>
+          <p:nvPr/>
+        </p:nvCxnSpPr>
+        <p:spPr>
+          <a:xfrm>
+            <a:off x="6167534" y="990590"/>
+            <a:ext cx="0" cy="924957"/>
+          </a:xfrm>
+          <a:prstGeom prst="straightConnector1">
+            <a:avLst/>
+          </a:prstGeom>
+          <a:ln>
+            <a:tailEnd type="triangle"/>
+          </a:ln>
+        </p:spPr>
+        <p:style>
+          <a:lnRef idx="3">
+            <a:schemeClr val="dk1"/>
+          </a:lnRef>
+          <a:fillRef idx="0">
+            <a:schemeClr val="dk1"/>
+          </a:fillRef>
+          <a:effectRef idx="2">
+            <a:schemeClr val="dk1"/>
+          </a:effectRef>
+          <a:fontRef idx="minor">
+            <a:schemeClr val="tx1"/>
+          </a:fontRef>
+        </p:style>
+      </p:cxnSp>
+      <p:cxnSp>
+        <p:nvCxnSpPr>
+          <p:cNvPr id="11" name="Straight Arrow Connector 10">
+            <a:extLst>
+              <a:ext uri="{FF2B5EF4-FFF2-40B4-BE49-F238E27FC236}">
+                <a16:creationId xmlns:a16="http://schemas.microsoft.com/office/drawing/2014/main" id="{8C061569-7677-77F9-8F6B-8C5B89454034}"/>
+              </a:ext>
+            </a:extLst>
+          </p:cNvPr>
+          <p:cNvCxnSpPr>
+            <a:cxnSpLocks/>
+            <a:stCxn id="6" idx="2"/>
+            <a:endCxn id="7" idx="0"/>
+          </p:cNvCxnSpPr>
+          <p:nvPr/>
+        </p:nvCxnSpPr>
+        <p:spPr>
+          <a:xfrm>
+            <a:off x="6167534" y="2284879"/>
+            <a:ext cx="0" cy="1161564"/>
+          </a:xfrm>
+          <a:prstGeom prst="straightConnector1">
+            <a:avLst/>
+          </a:prstGeom>
+          <a:ln>
+            <a:tailEnd type="triangle"/>
+          </a:ln>
+        </p:spPr>
+        <p:style>
+          <a:lnRef idx="3">
+            <a:schemeClr val="dk1"/>
+          </a:lnRef>
+          <a:fillRef idx="0">
+            <a:schemeClr val="dk1"/>
+          </a:fillRef>
+          <a:effectRef idx="2">
+            <a:schemeClr val="dk1"/>
+          </a:effectRef>
+          <a:fontRef idx="minor">
+            <a:schemeClr val="tx1"/>
+          </a:fontRef>
+        </p:style>
+      </p:cxnSp>
+      <p:cxnSp>
+        <p:nvCxnSpPr>
+          <p:cNvPr id="14" name="Straight Arrow Connector 13">
+            <a:extLst>
+              <a:ext uri="{FF2B5EF4-FFF2-40B4-BE49-F238E27FC236}">
+                <a16:creationId xmlns:a16="http://schemas.microsoft.com/office/drawing/2014/main" id="{079880E7-71FB-4D85-7C4B-2AB93127CDD6}"/>
+              </a:ext>
+            </a:extLst>
+          </p:cNvPr>
+          <p:cNvCxnSpPr>
+            <a:cxnSpLocks/>
+            <a:stCxn id="7" idx="2"/>
+            <a:endCxn id="8" idx="0"/>
+          </p:cNvCxnSpPr>
+          <p:nvPr/>
+        </p:nvCxnSpPr>
+        <p:spPr>
+          <a:xfrm>
+            <a:off x="6167534" y="3815775"/>
+            <a:ext cx="1" cy="1109623"/>
+          </a:xfrm>
+          <a:prstGeom prst="straightConnector1">
+            <a:avLst/>
+          </a:prstGeom>
+          <a:ln>
+            <a:tailEnd type="triangle"/>
+          </a:ln>
+        </p:spPr>
+        <p:style>
+          <a:lnRef idx="3">
+            <a:schemeClr val="dk1"/>
+          </a:lnRef>
+          <a:fillRef idx="0">
+            <a:schemeClr val="dk1"/>
+          </a:fillRef>
+          <a:effectRef idx="2">
+            <a:schemeClr val="dk1"/>
+          </a:effectRef>
+          <a:fontRef idx="minor">
+            <a:schemeClr val="tx1"/>
+          </a:fontRef>
+        </p:style>
+      </p:cxnSp>
+    </p:spTree>
+    <p:extLst>
+      <p:ext uri="{BB962C8B-B14F-4D97-AF65-F5344CB8AC3E}">
+        <p14:creationId xmlns:p14="http://schemas.microsoft.com/office/powerpoint/2010/main" val="1060161627"/>
+      </p:ext>
+    </p:extLst>
+  </p:cSld>
+  <p:clrMapOvr>
+    <a:masterClrMapping/>
+  </p:clrMapOvr>
+</p:sld>
+</file>
+
 <file path=ppt/theme/theme1.xml><?xml version="1.0" encoding="utf-8"?>
 <a:theme xmlns:a="http://schemas.openxmlformats.org/drawingml/2006/main" name="Office Theme">
   <a:themeElements>
